--- a/pictures.pptx
+++ b/pictures.pptx
@@ -294,7 +294,7 @@
           <a:p>
             <a:fld id="{3AF8F152-40E5-426F-8AF5-780928ADAAC0}" type="datetimeFigureOut">
               <a:rPr lang="en-GB" smtClean="0"/>
-              <a:t>07/09/2022</a:t>
+              <a:t>25/10/2022</a:t>
             </a:fld>
             <a:endParaRPr lang="en-GB"/>
           </a:p>
@@ -492,7 +492,7 @@
           <a:p>
             <a:fld id="{3AF8F152-40E5-426F-8AF5-780928ADAAC0}" type="datetimeFigureOut">
               <a:rPr lang="en-GB" smtClean="0"/>
-              <a:t>07/09/2022</a:t>
+              <a:t>25/10/2022</a:t>
             </a:fld>
             <a:endParaRPr lang="en-GB"/>
           </a:p>
@@ -700,7 +700,7 @@
           <a:p>
             <a:fld id="{3AF8F152-40E5-426F-8AF5-780928ADAAC0}" type="datetimeFigureOut">
               <a:rPr lang="en-GB" smtClean="0"/>
-              <a:t>07/09/2022</a:t>
+              <a:t>25/10/2022</a:t>
             </a:fld>
             <a:endParaRPr lang="en-GB"/>
           </a:p>
@@ -898,7 +898,7 @@
           <a:p>
             <a:fld id="{3AF8F152-40E5-426F-8AF5-780928ADAAC0}" type="datetimeFigureOut">
               <a:rPr lang="en-GB" smtClean="0"/>
-              <a:t>07/09/2022</a:t>
+              <a:t>25/10/2022</a:t>
             </a:fld>
             <a:endParaRPr lang="en-GB"/>
           </a:p>
@@ -1173,7 +1173,7 @@
           <a:p>
             <a:fld id="{3AF8F152-40E5-426F-8AF5-780928ADAAC0}" type="datetimeFigureOut">
               <a:rPr lang="en-GB" smtClean="0"/>
-              <a:t>07/09/2022</a:t>
+              <a:t>25/10/2022</a:t>
             </a:fld>
             <a:endParaRPr lang="en-GB"/>
           </a:p>
@@ -1438,7 +1438,7 @@
           <a:p>
             <a:fld id="{3AF8F152-40E5-426F-8AF5-780928ADAAC0}" type="datetimeFigureOut">
               <a:rPr lang="en-GB" smtClean="0"/>
-              <a:t>07/09/2022</a:t>
+              <a:t>25/10/2022</a:t>
             </a:fld>
             <a:endParaRPr lang="en-GB"/>
           </a:p>
@@ -1850,7 +1850,7 @@
           <a:p>
             <a:fld id="{3AF8F152-40E5-426F-8AF5-780928ADAAC0}" type="datetimeFigureOut">
               <a:rPr lang="en-GB" smtClean="0"/>
-              <a:t>07/09/2022</a:t>
+              <a:t>25/10/2022</a:t>
             </a:fld>
             <a:endParaRPr lang="en-GB"/>
           </a:p>
@@ -1991,7 +1991,7 @@
           <a:p>
             <a:fld id="{3AF8F152-40E5-426F-8AF5-780928ADAAC0}" type="datetimeFigureOut">
               <a:rPr lang="en-GB" smtClean="0"/>
-              <a:t>07/09/2022</a:t>
+              <a:t>25/10/2022</a:t>
             </a:fld>
             <a:endParaRPr lang="en-GB"/>
           </a:p>
@@ -2104,7 +2104,7 @@
           <a:p>
             <a:fld id="{3AF8F152-40E5-426F-8AF5-780928ADAAC0}" type="datetimeFigureOut">
               <a:rPr lang="en-GB" smtClean="0"/>
-              <a:t>07/09/2022</a:t>
+              <a:t>25/10/2022</a:t>
             </a:fld>
             <a:endParaRPr lang="en-GB"/>
           </a:p>
@@ -2415,7 +2415,7 @@
           <a:p>
             <a:fld id="{3AF8F152-40E5-426F-8AF5-780928ADAAC0}" type="datetimeFigureOut">
               <a:rPr lang="en-GB" smtClean="0"/>
-              <a:t>07/09/2022</a:t>
+              <a:t>25/10/2022</a:t>
             </a:fld>
             <a:endParaRPr lang="en-GB"/>
           </a:p>
@@ -2703,7 +2703,7 @@
           <a:p>
             <a:fld id="{3AF8F152-40E5-426F-8AF5-780928ADAAC0}" type="datetimeFigureOut">
               <a:rPr lang="en-GB" smtClean="0"/>
-              <a:t>07/09/2022</a:t>
+              <a:t>25/10/2022</a:t>
             </a:fld>
             <a:endParaRPr lang="en-GB"/>
           </a:p>
@@ -2944,7 +2944,7 @@
           <a:p>
             <a:fld id="{3AF8F152-40E5-426F-8AF5-780928ADAAC0}" type="datetimeFigureOut">
               <a:rPr lang="en-GB" smtClean="0"/>
-              <a:t>07/09/2022</a:t>
+              <a:t>25/10/2022</a:t>
             </a:fld>
             <a:endParaRPr lang="en-GB"/>
           </a:p>

--- a/pictures.pptx
+++ b/pictures.pptx
@@ -15,6 +15,7 @@
     <p:sldId id="261" r:id="rId9"/>
     <p:sldId id="262" r:id="rId10"/>
     <p:sldId id="265" r:id="rId11"/>
+    <p:sldId id="266" r:id="rId12"/>
   </p:sldIdLst>
   <p:sldSz cx="12192000" cy="6858000"/>
   <p:notesSz cx="6858000" cy="9144000"/>
@@ -294,7 +295,7 @@
           <a:p>
             <a:fld id="{3AF8F152-40E5-426F-8AF5-780928ADAAC0}" type="datetimeFigureOut">
               <a:rPr lang="en-GB" smtClean="0"/>
-              <a:t>25/10/2022</a:t>
+              <a:t>10/11/2022</a:t>
             </a:fld>
             <a:endParaRPr lang="en-GB"/>
           </a:p>
@@ -492,7 +493,7 @@
           <a:p>
             <a:fld id="{3AF8F152-40E5-426F-8AF5-780928ADAAC0}" type="datetimeFigureOut">
               <a:rPr lang="en-GB" smtClean="0"/>
-              <a:t>25/10/2022</a:t>
+              <a:t>10/11/2022</a:t>
             </a:fld>
             <a:endParaRPr lang="en-GB"/>
           </a:p>
@@ -700,7 +701,7 @@
           <a:p>
             <a:fld id="{3AF8F152-40E5-426F-8AF5-780928ADAAC0}" type="datetimeFigureOut">
               <a:rPr lang="en-GB" smtClean="0"/>
-              <a:t>25/10/2022</a:t>
+              <a:t>10/11/2022</a:t>
             </a:fld>
             <a:endParaRPr lang="en-GB"/>
           </a:p>
@@ -898,7 +899,7 @@
           <a:p>
             <a:fld id="{3AF8F152-40E5-426F-8AF5-780928ADAAC0}" type="datetimeFigureOut">
               <a:rPr lang="en-GB" smtClean="0"/>
-              <a:t>25/10/2022</a:t>
+              <a:t>10/11/2022</a:t>
             </a:fld>
             <a:endParaRPr lang="en-GB"/>
           </a:p>
@@ -1173,7 +1174,7 @@
           <a:p>
             <a:fld id="{3AF8F152-40E5-426F-8AF5-780928ADAAC0}" type="datetimeFigureOut">
               <a:rPr lang="en-GB" smtClean="0"/>
-              <a:t>25/10/2022</a:t>
+              <a:t>10/11/2022</a:t>
             </a:fld>
             <a:endParaRPr lang="en-GB"/>
           </a:p>
@@ -1438,7 +1439,7 @@
           <a:p>
             <a:fld id="{3AF8F152-40E5-426F-8AF5-780928ADAAC0}" type="datetimeFigureOut">
               <a:rPr lang="en-GB" smtClean="0"/>
-              <a:t>25/10/2022</a:t>
+              <a:t>10/11/2022</a:t>
             </a:fld>
             <a:endParaRPr lang="en-GB"/>
           </a:p>
@@ -1850,7 +1851,7 @@
           <a:p>
             <a:fld id="{3AF8F152-40E5-426F-8AF5-780928ADAAC0}" type="datetimeFigureOut">
               <a:rPr lang="en-GB" smtClean="0"/>
-              <a:t>25/10/2022</a:t>
+              <a:t>10/11/2022</a:t>
             </a:fld>
             <a:endParaRPr lang="en-GB"/>
           </a:p>
@@ -1991,7 +1992,7 @@
           <a:p>
             <a:fld id="{3AF8F152-40E5-426F-8AF5-780928ADAAC0}" type="datetimeFigureOut">
               <a:rPr lang="en-GB" smtClean="0"/>
-              <a:t>25/10/2022</a:t>
+              <a:t>10/11/2022</a:t>
             </a:fld>
             <a:endParaRPr lang="en-GB"/>
           </a:p>
@@ -2104,7 +2105,7 @@
           <a:p>
             <a:fld id="{3AF8F152-40E5-426F-8AF5-780928ADAAC0}" type="datetimeFigureOut">
               <a:rPr lang="en-GB" smtClean="0"/>
-              <a:t>25/10/2022</a:t>
+              <a:t>10/11/2022</a:t>
             </a:fld>
             <a:endParaRPr lang="en-GB"/>
           </a:p>
@@ -2415,7 +2416,7 @@
           <a:p>
             <a:fld id="{3AF8F152-40E5-426F-8AF5-780928ADAAC0}" type="datetimeFigureOut">
               <a:rPr lang="en-GB" smtClean="0"/>
-              <a:t>25/10/2022</a:t>
+              <a:t>10/11/2022</a:t>
             </a:fld>
             <a:endParaRPr lang="en-GB"/>
           </a:p>
@@ -2703,7 +2704,7 @@
           <a:p>
             <a:fld id="{3AF8F152-40E5-426F-8AF5-780928ADAAC0}" type="datetimeFigureOut">
               <a:rPr lang="en-GB" smtClean="0"/>
-              <a:t>25/10/2022</a:t>
+              <a:t>10/11/2022</a:t>
             </a:fld>
             <a:endParaRPr lang="en-GB"/>
           </a:p>
@@ -2944,7 +2945,7 @@
           <a:p>
             <a:fld id="{3AF8F152-40E5-426F-8AF5-780928ADAAC0}" type="datetimeFigureOut">
               <a:rPr lang="en-GB" smtClean="0"/>
-              <a:t>25/10/2022</a:t>
+              <a:t>10/11/2022</a:t>
             </a:fld>
             <a:endParaRPr lang="en-GB"/>
           </a:p>
@@ -4757,6 +4758,835 @@
 </p:sld>
 </file>
 
+<file path=ppt/slides/slide11.xml><?xml version="1.0" encoding="utf-8"?>
+<p:sld xmlns:a="http://schemas.openxmlformats.org/drawingml/2006/main" xmlns:r="http://schemas.openxmlformats.org/officeDocument/2006/relationships" xmlns:p="http://schemas.openxmlformats.org/presentationml/2006/main">
+  <p:cSld>
+    <p:spTree>
+      <p:nvGrpSpPr>
+        <p:cNvPr id="1" name=""/>
+        <p:cNvGrpSpPr/>
+        <p:nvPr/>
+      </p:nvGrpSpPr>
+      <p:grpSpPr>
+        <a:xfrm>
+          <a:off x="0" y="0"/>
+          <a:ext cx="0" cy="0"/>
+          <a:chOff x="0" y="0"/>
+          <a:chExt cx="0" cy="0"/>
+        </a:xfrm>
+      </p:grpSpPr>
+      <p:cxnSp>
+        <p:nvCxnSpPr>
+          <p:cNvPr id="5" name="Straight Arrow Connector 4">
+            <a:extLst>
+              <a:ext uri="{FF2B5EF4-FFF2-40B4-BE49-F238E27FC236}">
+                <a16:creationId xmlns:a16="http://schemas.microsoft.com/office/drawing/2014/main" id="{662E8B5A-483D-4C64-A01B-616DEB3C5D43}"/>
+              </a:ext>
+            </a:extLst>
+          </p:cNvPr>
+          <p:cNvCxnSpPr>
+            <a:cxnSpLocks/>
+          </p:cNvCxnSpPr>
+          <p:nvPr/>
+        </p:nvCxnSpPr>
+        <p:spPr>
+          <a:xfrm>
+            <a:off x="3332162" y="4210931"/>
+            <a:ext cx="1475252" cy="0"/>
+          </a:xfrm>
+          <a:prstGeom prst="straightConnector1">
+            <a:avLst/>
+          </a:prstGeom>
+          <a:ln w="76200">
+            <a:solidFill>
+              <a:schemeClr val="bg2">
+                <a:lumMod val="75000"/>
+              </a:schemeClr>
+            </a:solidFill>
+            <a:tailEnd type="triangle"/>
+          </a:ln>
+        </p:spPr>
+        <p:style>
+          <a:lnRef idx="1">
+            <a:schemeClr val="accent1"/>
+          </a:lnRef>
+          <a:fillRef idx="0">
+            <a:schemeClr val="accent1"/>
+          </a:fillRef>
+          <a:effectRef idx="0">
+            <a:schemeClr val="accent1"/>
+          </a:effectRef>
+          <a:fontRef idx="minor">
+            <a:schemeClr val="tx1"/>
+          </a:fontRef>
+        </p:style>
+      </p:cxnSp>
+      <p:sp>
+        <p:nvSpPr>
+          <p:cNvPr id="18" name="TextBox 17">
+            <a:extLst>
+              <a:ext uri="{FF2B5EF4-FFF2-40B4-BE49-F238E27FC236}">
+                <a16:creationId xmlns:a16="http://schemas.microsoft.com/office/drawing/2014/main" id="{1311E220-78C1-4DB3-B543-038A1D59AFC8}"/>
+              </a:ext>
+            </a:extLst>
+          </p:cNvPr>
+          <p:cNvSpPr txBox="1"/>
+          <p:nvPr/>
+        </p:nvSpPr>
+        <p:spPr>
+          <a:xfrm>
+            <a:off x="3544554" y="4286451"/>
+            <a:ext cx="1253766" cy="307777"/>
+          </a:xfrm>
+          <a:prstGeom prst="rect">
+            <a:avLst/>
+          </a:prstGeom>
+          <a:noFill/>
+        </p:spPr>
+        <p:txBody>
+          <a:bodyPr wrap="square" rtlCol="0">
+            <a:spAutoFit/>
+          </a:bodyPr>
+          <a:lstStyle/>
+          <a:p>
+            <a:r>
+              <a:rPr lang="en-GB" sz="1400" b="1" dirty="0"/>
+              <a:t>Prediction</a:t>
+            </a:r>
+          </a:p>
+        </p:txBody>
+      </p:sp>
+      <p:cxnSp>
+        <p:nvCxnSpPr>
+          <p:cNvPr id="19" name="Straight Arrow Connector 18">
+            <a:extLst>
+              <a:ext uri="{FF2B5EF4-FFF2-40B4-BE49-F238E27FC236}">
+                <a16:creationId xmlns:a16="http://schemas.microsoft.com/office/drawing/2014/main" id="{1CC772D5-0C57-42CA-9926-D02D15DA84E1}"/>
+              </a:ext>
+            </a:extLst>
+          </p:cNvPr>
+          <p:cNvCxnSpPr>
+            <a:cxnSpLocks/>
+          </p:cNvCxnSpPr>
+          <p:nvPr/>
+        </p:nvCxnSpPr>
+        <p:spPr>
+          <a:xfrm>
+            <a:off x="5935662" y="4218216"/>
+            <a:ext cx="1457190" cy="14570"/>
+          </a:xfrm>
+          <a:prstGeom prst="straightConnector1">
+            <a:avLst/>
+          </a:prstGeom>
+          <a:ln w="76200">
+            <a:solidFill>
+              <a:schemeClr val="bg2">
+                <a:lumMod val="75000"/>
+              </a:schemeClr>
+            </a:solidFill>
+            <a:tailEnd type="triangle"/>
+          </a:ln>
+        </p:spPr>
+        <p:style>
+          <a:lnRef idx="1">
+            <a:schemeClr val="accent1"/>
+          </a:lnRef>
+          <a:fillRef idx="0">
+            <a:schemeClr val="accent1"/>
+          </a:fillRef>
+          <a:effectRef idx="0">
+            <a:schemeClr val="accent1"/>
+          </a:effectRef>
+          <a:fontRef idx="minor">
+            <a:schemeClr val="tx1"/>
+          </a:fontRef>
+        </p:style>
+      </p:cxnSp>
+      <p:sp>
+        <p:nvSpPr>
+          <p:cNvPr id="24" name="Rectangle: Rounded Corners 23">
+            <a:extLst>
+              <a:ext uri="{FF2B5EF4-FFF2-40B4-BE49-F238E27FC236}">
+                <a16:creationId xmlns:a16="http://schemas.microsoft.com/office/drawing/2014/main" id="{1542D887-29C4-423D-AFB7-81FE73E69748}"/>
+              </a:ext>
+            </a:extLst>
+          </p:cNvPr>
+          <p:cNvSpPr/>
+          <p:nvPr/>
+        </p:nvSpPr>
+        <p:spPr>
+          <a:xfrm>
+            <a:off x="7550502" y="3832168"/>
+            <a:ext cx="1253765" cy="970961"/>
+          </a:xfrm>
+          <a:prstGeom prst="roundRect">
+            <a:avLst/>
+          </a:prstGeom>
+          <a:solidFill>
+            <a:schemeClr val="accent2">
+              <a:lumMod val="20000"/>
+              <a:lumOff val="80000"/>
+            </a:schemeClr>
+          </a:solidFill>
+          <a:ln>
+            <a:solidFill>
+              <a:schemeClr val="bg2">
+                <a:lumMod val="25000"/>
+              </a:schemeClr>
+            </a:solidFill>
+          </a:ln>
+        </p:spPr>
+        <p:style>
+          <a:lnRef idx="2">
+            <a:schemeClr val="accent1">
+              <a:shade val="50000"/>
+            </a:schemeClr>
+          </a:lnRef>
+          <a:fillRef idx="1">
+            <a:schemeClr val="accent1"/>
+          </a:fillRef>
+          <a:effectRef idx="0">
+            <a:schemeClr val="accent1"/>
+          </a:effectRef>
+          <a:fontRef idx="minor">
+            <a:schemeClr val="lt1"/>
+          </a:fontRef>
+        </p:style>
+        <p:txBody>
+          <a:bodyPr rtlCol="0" anchor="ctr"/>
+          <a:lstStyle/>
+          <a:p>
+            <a:pPr algn="ctr"/>
+            <a:r>
+              <a:rPr lang="en-GB" sz="1600" dirty="0">
+                <a:solidFill>
+                  <a:schemeClr val="tx1"/>
+                </a:solidFill>
+              </a:rPr>
+              <a:t>New particle population</a:t>
+            </a:r>
+          </a:p>
+        </p:txBody>
+      </p:sp>
+      <p:sp>
+        <p:nvSpPr>
+          <p:cNvPr id="25" name="Rectangle: Rounded Corners 24">
+            <a:extLst>
+              <a:ext uri="{FF2B5EF4-FFF2-40B4-BE49-F238E27FC236}">
+                <a16:creationId xmlns:a16="http://schemas.microsoft.com/office/drawing/2014/main" id="{EB86AF01-B4F1-4200-983C-1E5372335917}"/>
+              </a:ext>
+            </a:extLst>
+          </p:cNvPr>
+          <p:cNvSpPr/>
+          <p:nvPr/>
+        </p:nvSpPr>
+        <p:spPr>
+          <a:xfrm>
+            <a:off x="7467593" y="3768830"/>
+            <a:ext cx="1253765" cy="970961"/>
+          </a:xfrm>
+          <a:prstGeom prst="roundRect">
+            <a:avLst/>
+          </a:prstGeom>
+          <a:solidFill>
+            <a:schemeClr val="accent2">
+              <a:lumMod val="20000"/>
+              <a:lumOff val="80000"/>
+            </a:schemeClr>
+          </a:solidFill>
+          <a:ln>
+            <a:solidFill>
+              <a:schemeClr val="bg2">
+                <a:lumMod val="25000"/>
+              </a:schemeClr>
+            </a:solidFill>
+          </a:ln>
+        </p:spPr>
+        <p:style>
+          <a:lnRef idx="2">
+            <a:schemeClr val="accent1">
+              <a:shade val="50000"/>
+            </a:schemeClr>
+          </a:lnRef>
+          <a:fillRef idx="1">
+            <a:schemeClr val="accent1"/>
+          </a:fillRef>
+          <a:effectRef idx="0">
+            <a:schemeClr val="accent1"/>
+          </a:effectRef>
+          <a:fontRef idx="minor">
+            <a:schemeClr val="lt1"/>
+          </a:fontRef>
+        </p:style>
+        <p:txBody>
+          <a:bodyPr rtlCol="0" anchor="ctr"/>
+          <a:lstStyle/>
+          <a:p>
+            <a:pPr algn="ctr"/>
+            <a:r>
+              <a:rPr lang="en-GB" dirty="0">
+                <a:solidFill>
+                  <a:schemeClr val="tx1"/>
+                </a:solidFill>
+              </a:rPr>
+              <a:t>Particles</a:t>
+            </a:r>
+          </a:p>
+        </p:txBody>
+      </p:sp>
+      <p:sp>
+        <p:nvSpPr>
+          <p:cNvPr id="26" name="Rectangle: Rounded Corners 25">
+            <a:extLst>
+              <a:ext uri="{FF2B5EF4-FFF2-40B4-BE49-F238E27FC236}">
+                <a16:creationId xmlns:a16="http://schemas.microsoft.com/office/drawing/2014/main" id="{EFF2DF0B-3BC3-4523-B306-90C29C8854E1}"/>
+              </a:ext>
+            </a:extLst>
+          </p:cNvPr>
+          <p:cNvSpPr/>
+          <p:nvPr/>
+        </p:nvSpPr>
+        <p:spPr>
+          <a:xfrm>
+            <a:off x="7392852" y="3697494"/>
+            <a:ext cx="1253765" cy="970961"/>
+          </a:xfrm>
+          <a:prstGeom prst="roundRect">
+            <a:avLst/>
+          </a:prstGeom>
+          <a:solidFill>
+            <a:schemeClr val="accent2">
+              <a:lumMod val="20000"/>
+              <a:lumOff val="80000"/>
+            </a:schemeClr>
+          </a:solidFill>
+          <a:ln>
+            <a:solidFill>
+              <a:schemeClr val="bg2">
+                <a:lumMod val="25000"/>
+              </a:schemeClr>
+            </a:solidFill>
+          </a:ln>
+        </p:spPr>
+        <p:style>
+          <a:lnRef idx="2">
+            <a:schemeClr val="accent1">
+              <a:shade val="50000"/>
+            </a:schemeClr>
+          </a:lnRef>
+          <a:fillRef idx="1">
+            <a:schemeClr val="accent1"/>
+          </a:fillRef>
+          <a:effectRef idx="0">
+            <a:schemeClr val="accent1"/>
+          </a:effectRef>
+          <a:fontRef idx="minor">
+            <a:schemeClr val="lt1"/>
+          </a:fontRef>
+        </p:style>
+        <p:txBody>
+          <a:bodyPr rtlCol="0" anchor="ctr"/>
+          <a:lstStyle/>
+          <a:p>
+            <a:pPr algn="ctr"/>
+            <a:r>
+              <a:rPr lang="en-GB" sz="1600" dirty="0">
+                <a:solidFill>
+                  <a:schemeClr val="tx1"/>
+                </a:solidFill>
+              </a:rPr>
+              <a:t>New particle population</a:t>
+            </a:r>
+          </a:p>
+        </p:txBody>
+      </p:sp>
+      <p:cxnSp>
+        <p:nvCxnSpPr>
+          <p:cNvPr id="28" name="Connector: Curved 27">
+            <a:extLst>
+              <a:ext uri="{FF2B5EF4-FFF2-40B4-BE49-F238E27FC236}">
+                <a16:creationId xmlns:a16="http://schemas.microsoft.com/office/drawing/2014/main" id="{4093C80A-D75C-49F9-80B9-0F72D972BD30}"/>
+              </a:ext>
+            </a:extLst>
+          </p:cNvPr>
+          <p:cNvCxnSpPr>
+            <a:cxnSpLocks/>
+            <a:stCxn id="26" idx="0"/>
+            <a:endCxn id="66" idx="0"/>
+          </p:cNvCxnSpPr>
+          <p:nvPr/>
+        </p:nvCxnSpPr>
+        <p:spPr>
+          <a:xfrm rot="16200000" flipV="1">
+            <a:off x="5273810" y="951568"/>
+            <a:ext cx="12700" cy="5491851"/>
+          </a:xfrm>
+          <a:prstGeom prst="curvedConnector3">
+            <a:avLst>
+              <a:gd name="adj1" fmla="val 6253591"/>
+            </a:avLst>
+          </a:prstGeom>
+          <a:ln w="76200">
+            <a:solidFill>
+              <a:schemeClr val="bg2">
+                <a:lumMod val="75000"/>
+              </a:schemeClr>
+            </a:solidFill>
+            <a:tailEnd type="triangle"/>
+          </a:ln>
+        </p:spPr>
+        <p:style>
+          <a:lnRef idx="1">
+            <a:schemeClr val="accent1"/>
+          </a:lnRef>
+          <a:fillRef idx="0">
+            <a:schemeClr val="accent1"/>
+          </a:fillRef>
+          <a:effectRef idx="0">
+            <a:schemeClr val="accent1"/>
+          </a:effectRef>
+          <a:fontRef idx="minor">
+            <a:schemeClr val="tx1"/>
+          </a:fontRef>
+        </p:style>
+      </p:cxnSp>
+      <p:sp>
+        <p:nvSpPr>
+          <p:cNvPr id="43" name="Rectangle: Rounded Corners 42">
+            <a:extLst>
+              <a:ext uri="{FF2B5EF4-FFF2-40B4-BE49-F238E27FC236}">
+                <a16:creationId xmlns:a16="http://schemas.microsoft.com/office/drawing/2014/main" id="{9B4E18DF-7B9F-4B20-90DF-E457445E275C}"/>
+              </a:ext>
+            </a:extLst>
+          </p:cNvPr>
+          <p:cNvSpPr/>
+          <p:nvPr/>
+        </p:nvSpPr>
+        <p:spPr>
+          <a:xfrm>
+            <a:off x="4789352" y="3921130"/>
+            <a:ext cx="1146312" cy="608742"/>
+          </a:xfrm>
+          <a:prstGeom prst="roundRect">
+            <a:avLst/>
+          </a:prstGeom>
+          <a:solidFill>
+            <a:schemeClr val="accent1">
+              <a:lumMod val="20000"/>
+              <a:lumOff val="80000"/>
+            </a:schemeClr>
+          </a:solidFill>
+          <a:ln>
+            <a:solidFill>
+              <a:schemeClr val="bg2">
+                <a:lumMod val="25000"/>
+              </a:schemeClr>
+            </a:solidFill>
+          </a:ln>
+        </p:spPr>
+        <p:style>
+          <a:lnRef idx="2">
+            <a:schemeClr val="accent1">
+              <a:shade val="50000"/>
+            </a:schemeClr>
+          </a:lnRef>
+          <a:fillRef idx="1">
+            <a:schemeClr val="accent1"/>
+          </a:fillRef>
+          <a:effectRef idx="0">
+            <a:schemeClr val="accent1"/>
+          </a:effectRef>
+          <a:fontRef idx="minor">
+            <a:schemeClr val="lt1"/>
+          </a:fontRef>
+        </p:style>
+        <p:txBody>
+          <a:bodyPr rtlCol="0" anchor="ctr"/>
+          <a:lstStyle/>
+          <a:p>
+            <a:pPr algn="ctr"/>
+            <a:r>
+              <a:rPr lang="en-GB" sz="1400" dirty="0">
+                <a:solidFill>
+                  <a:schemeClr val="tx1"/>
+                </a:solidFill>
+              </a:rPr>
+              <a:t>Resample</a:t>
+            </a:r>
+          </a:p>
+        </p:txBody>
+      </p:sp>
+      <p:sp>
+        <p:nvSpPr>
+          <p:cNvPr id="44" name="Rectangle: Rounded Corners 43">
+            <a:extLst>
+              <a:ext uri="{FF2B5EF4-FFF2-40B4-BE49-F238E27FC236}">
+                <a16:creationId xmlns:a16="http://schemas.microsoft.com/office/drawing/2014/main" id="{33EAEC2C-1B46-476B-A175-FC9D407276CC}"/>
+              </a:ext>
+            </a:extLst>
+          </p:cNvPr>
+          <p:cNvSpPr/>
+          <p:nvPr/>
+        </p:nvSpPr>
+        <p:spPr>
+          <a:xfrm>
+            <a:off x="4789352" y="3193405"/>
+            <a:ext cx="1146310" cy="386473"/>
+          </a:xfrm>
+          <a:prstGeom prst="roundRect">
+            <a:avLst/>
+          </a:prstGeom>
+          <a:solidFill>
+            <a:schemeClr val="accent1">
+              <a:lumMod val="20000"/>
+              <a:lumOff val="80000"/>
+            </a:schemeClr>
+          </a:solidFill>
+          <a:ln>
+            <a:solidFill>
+              <a:schemeClr val="bg2">
+                <a:lumMod val="25000"/>
+              </a:schemeClr>
+            </a:solidFill>
+          </a:ln>
+        </p:spPr>
+        <p:style>
+          <a:lnRef idx="2">
+            <a:schemeClr val="accent1">
+              <a:shade val="50000"/>
+            </a:schemeClr>
+          </a:lnRef>
+          <a:fillRef idx="1">
+            <a:schemeClr val="accent1"/>
+          </a:fillRef>
+          <a:effectRef idx="0">
+            <a:schemeClr val="accent1"/>
+          </a:effectRef>
+          <a:fontRef idx="minor">
+            <a:schemeClr val="lt1"/>
+          </a:fontRef>
+        </p:style>
+        <p:txBody>
+          <a:bodyPr rtlCol="0" anchor="ctr"/>
+          <a:lstStyle/>
+          <a:p>
+            <a:pPr algn="ctr"/>
+            <a:r>
+              <a:rPr lang="en-GB" sz="1400" dirty="0">
+                <a:solidFill>
+                  <a:schemeClr val="tx1"/>
+                </a:solidFill>
+              </a:rPr>
+              <a:t>Observation</a:t>
+            </a:r>
+          </a:p>
+        </p:txBody>
+      </p:sp>
+      <p:cxnSp>
+        <p:nvCxnSpPr>
+          <p:cNvPr id="54" name="Straight Arrow Connector 53">
+            <a:extLst>
+              <a:ext uri="{FF2B5EF4-FFF2-40B4-BE49-F238E27FC236}">
+                <a16:creationId xmlns:a16="http://schemas.microsoft.com/office/drawing/2014/main" id="{9ACED65F-341F-479F-BFFE-C45ADB17844B}"/>
+              </a:ext>
+            </a:extLst>
+          </p:cNvPr>
+          <p:cNvCxnSpPr>
+            <a:cxnSpLocks/>
+          </p:cNvCxnSpPr>
+          <p:nvPr/>
+        </p:nvCxnSpPr>
+        <p:spPr>
+          <a:xfrm>
+            <a:off x="5737972" y="3618717"/>
+            <a:ext cx="0" cy="316990"/>
+          </a:xfrm>
+          <a:prstGeom prst="straightConnector1">
+            <a:avLst/>
+          </a:prstGeom>
+          <a:ln w="76200">
+            <a:solidFill>
+              <a:schemeClr val="bg2">
+                <a:lumMod val="75000"/>
+              </a:schemeClr>
+            </a:solidFill>
+            <a:tailEnd type="triangle"/>
+          </a:ln>
+        </p:spPr>
+        <p:style>
+          <a:lnRef idx="1">
+            <a:schemeClr val="accent1"/>
+          </a:lnRef>
+          <a:fillRef idx="0">
+            <a:schemeClr val="accent1"/>
+          </a:fillRef>
+          <a:effectRef idx="0">
+            <a:schemeClr val="accent1"/>
+          </a:effectRef>
+          <a:fontRef idx="minor">
+            <a:schemeClr val="tx1"/>
+          </a:fontRef>
+        </p:style>
+      </p:cxnSp>
+      <p:cxnSp>
+        <p:nvCxnSpPr>
+          <p:cNvPr id="57" name="Straight Arrow Connector 56">
+            <a:extLst>
+              <a:ext uri="{FF2B5EF4-FFF2-40B4-BE49-F238E27FC236}">
+                <a16:creationId xmlns:a16="http://schemas.microsoft.com/office/drawing/2014/main" id="{06EABED9-6078-41B8-B2EF-BB2F86751E10}"/>
+              </a:ext>
+            </a:extLst>
+          </p:cNvPr>
+          <p:cNvCxnSpPr>
+            <a:cxnSpLocks/>
+          </p:cNvCxnSpPr>
+          <p:nvPr/>
+        </p:nvCxnSpPr>
+        <p:spPr>
+          <a:xfrm>
+            <a:off x="4994826" y="3618717"/>
+            <a:ext cx="0" cy="316990"/>
+          </a:xfrm>
+          <a:prstGeom prst="straightConnector1">
+            <a:avLst/>
+          </a:prstGeom>
+          <a:ln w="76200">
+            <a:solidFill>
+              <a:schemeClr val="bg2">
+                <a:lumMod val="75000"/>
+              </a:schemeClr>
+            </a:solidFill>
+            <a:tailEnd type="triangle"/>
+          </a:ln>
+        </p:spPr>
+        <p:style>
+          <a:lnRef idx="1">
+            <a:schemeClr val="accent1"/>
+          </a:lnRef>
+          <a:fillRef idx="0">
+            <a:schemeClr val="accent1"/>
+          </a:fillRef>
+          <a:effectRef idx="0">
+            <a:schemeClr val="accent1"/>
+          </a:effectRef>
+          <a:fontRef idx="minor">
+            <a:schemeClr val="tx1"/>
+          </a:fontRef>
+        </p:style>
+      </p:cxnSp>
+      <p:sp>
+        <p:nvSpPr>
+          <p:cNvPr id="64" name="Rectangle: Rounded Corners 63">
+            <a:extLst>
+              <a:ext uri="{FF2B5EF4-FFF2-40B4-BE49-F238E27FC236}">
+                <a16:creationId xmlns:a16="http://schemas.microsoft.com/office/drawing/2014/main" id="{038B196F-30F8-466C-8BEC-771F009CB7E7}"/>
+              </a:ext>
+            </a:extLst>
+          </p:cNvPr>
+          <p:cNvSpPr/>
+          <p:nvPr/>
+        </p:nvSpPr>
+        <p:spPr>
+          <a:xfrm>
+            <a:off x="2058651" y="3832168"/>
+            <a:ext cx="1253765" cy="970961"/>
+          </a:xfrm>
+          <a:prstGeom prst="roundRect">
+            <a:avLst/>
+          </a:prstGeom>
+          <a:solidFill>
+            <a:schemeClr val="bg2"/>
+          </a:solidFill>
+          <a:ln>
+            <a:solidFill>
+              <a:schemeClr val="bg2">
+                <a:lumMod val="25000"/>
+              </a:schemeClr>
+            </a:solidFill>
+          </a:ln>
+        </p:spPr>
+        <p:style>
+          <a:lnRef idx="2">
+            <a:schemeClr val="accent1">
+              <a:shade val="50000"/>
+            </a:schemeClr>
+          </a:lnRef>
+          <a:fillRef idx="1">
+            <a:schemeClr val="accent1"/>
+          </a:fillRef>
+          <a:effectRef idx="0">
+            <a:schemeClr val="accent1"/>
+          </a:effectRef>
+          <a:fontRef idx="minor">
+            <a:schemeClr val="lt1"/>
+          </a:fontRef>
+        </p:style>
+        <p:txBody>
+          <a:bodyPr rtlCol="0" anchor="ctr"/>
+          <a:lstStyle/>
+          <a:p>
+            <a:pPr algn="ctr"/>
+            <a:r>
+              <a:rPr lang="en-GB" sz="1600" dirty="0">
+                <a:solidFill>
+                  <a:schemeClr val="tx1"/>
+                </a:solidFill>
+              </a:rPr>
+              <a:t>New particle population</a:t>
+            </a:r>
+          </a:p>
+        </p:txBody>
+      </p:sp>
+      <p:sp>
+        <p:nvSpPr>
+          <p:cNvPr id="65" name="Rectangle: Rounded Corners 64">
+            <a:extLst>
+              <a:ext uri="{FF2B5EF4-FFF2-40B4-BE49-F238E27FC236}">
+                <a16:creationId xmlns:a16="http://schemas.microsoft.com/office/drawing/2014/main" id="{0BF67105-E724-4568-B10A-B768A9A2E170}"/>
+              </a:ext>
+            </a:extLst>
+          </p:cNvPr>
+          <p:cNvSpPr/>
+          <p:nvPr/>
+        </p:nvSpPr>
+        <p:spPr>
+          <a:xfrm>
+            <a:off x="1975742" y="3768830"/>
+            <a:ext cx="1253765" cy="970961"/>
+          </a:xfrm>
+          <a:prstGeom prst="roundRect">
+            <a:avLst/>
+          </a:prstGeom>
+          <a:solidFill>
+            <a:schemeClr val="bg2"/>
+          </a:solidFill>
+          <a:ln>
+            <a:solidFill>
+              <a:schemeClr val="bg2">
+                <a:lumMod val="25000"/>
+              </a:schemeClr>
+            </a:solidFill>
+          </a:ln>
+        </p:spPr>
+        <p:style>
+          <a:lnRef idx="2">
+            <a:schemeClr val="accent1">
+              <a:shade val="50000"/>
+            </a:schemeClr>
+          </a:lnRef>
+          <a:fillRef idx="1">
+            <a:schemeClr val="accent1"/>
+          </a:fillRef>
+          <a:effectRef idx="0">
+            <a:schemeClr val="accent1"/>
+          </a:effectRef>
+          <a:fontRef idx="minor">
+            <a:schemeClr val="lt1"/>
+          </a:fontRef>
+        </p:style>
+        <p:txBody>
+          <a:bodyPr rtlCol="0" anchor="ctr"/>
+          <a:lstStyle/>
+          <a:p>
+            <a:pPr algn="ctr"/>
+            <a:r>
+              <a:rPr lang="en-GB" dirty="0">
+                <a:solidFill>
+                  <a:schemeClr val="tx1"/>
+                </a:solidFill>
+              </a:rPr>
+              <a:t>Particles</a:t>
+            </a:r>
+          </a:p>
+        </p:txBody>
+      </p:sp>
+      <p:sp>
+        <p:nvSpPr>
+          <p:cNvPr id="66" name="Rectangle: Rounded Corners 65">
+            <a:extLst>
+              <a:ext uri="{FF2B5EF4-FFF2-40B4-BE49-F238E27FC236}">
+                <a16:creationId xmlns:a16="http://schemas.microsoft.com/office/drawing/2014/main" id="{5A1A7F38-CFBA-484B-AE5F-C62B91017869}"/>
+              </a:ext>
+            </a:extLst>
+          </p:cNvPr>
+          <p:cNvSpPr/>
+          <p:nvPr/>
+        </p:nvSpPr>
+        <p:spPr>
+          <a:xfrm>
+            <a:off x="1901001" y="3697494"/>
+            <a:ext cx="1253765" cy="970961"/>
+          </a:xfrm>
+          <a:prstGeom prst="roundRect">
+            <a:avLst/>
+          </a:prstGeom>
+          <a:solidFill>
+            <a:schemeClr val="bg2"/>
+          </a:solidFill>
+          <a:ln>
+            <a:solidFill>
+              <a:schemeClr val="bg2">
+                <a:lumMod val="25000"/>
+              </a:schemeClr>
+            </a:solidFill>
+          </a:ln>
+        </p:spPr>
+        <p:style>
+          <a:lnRef idx="2">
+            <a:schemeClr val="accent1">
+              <a:shade val="50000"/>
+            </a:schemeClr>
+          </a:lnRef>
+          <a:fillRef idx="1">
+            <a:schemeClr val="accent1"/>
+          </a:fillRef>
+          <a:effectRef idx="0">
+            <a:schemeClr val="accent1"/>
+          </a:effectRef>
+          <a:fontRef idx="minor">
+            <a:schemeClr val="lt1"/>
+          </a:fontRef>
+        </p:style>
+        <p:txBody>
+          <a:bodyPr rtlCol="0" anchor="ctr"/>
+          <a:lstStyle/>
+          <a:p>
+            <a:pPr algn="ctr"/>
+            <a:r>
+              <a:rPr lang="en-GB" sz="1600" dirty="0">
+                <a:solidFill>
+                  <a:schemeClr val="tx1"/>
+                </a:solidFill>
+              </a:rPr>
+              <a:t>Simulation runs</a:t>
+            </a:r>
+          </a:p>
+          <a:p>
+            <a:pPr algn="ctr"/>
+            <a:r>
+              <a:rPr lang="en-GB" sz="1600" dirty="0">
+                <a:solidFill>
+                  <a:schemeClr val="tx1"/>
+                </a:solidFill>
+              </a:rPr>
+              <a:t>(particles)</a:t>
+            </a:r>
+          </a:p>
+        </p:txBody>
+      </p:sp>
+    </p:spTree>
+    <p:extLst>
+      <p:ext uri="{BB962C8B-B14F-4D97-AF65-F5344CB8AC3E}">
+        <p14:creationId xmlns:p14="http://schemas.microsoft.com/office/powerpoint/2010/main" val="1492789810"/>
+      </p:ext>
+    </p:extLst>
+  </p:cSld>
+  <p:clrMapOvr>
+    <a:masterClrMapping/>
+  </p:clrMapOvr>
+</p:sld>
+</file>
+
 <file path=ppt/slides/slide2.xml><?xml version="1.0" encoding="utf-8"?>
 <p:sld xmlns:a="http://schemas.openxmlformats.org/drawingml/2006/main" xmlns:r="http://schemas.openxmlformats.org/officeDocument/2006/relationships" xmlns:p="http://schemas.openxmlformats.org/presentationml/2006/main">
   <p:cSld>
